--- a/뭐먹지_스토리보드.pptx
+++ b/뭐먹지_스토리보드.pptx
@@ -264,7 +264,7 @@
           <a:p>
             <a:fld id="{EB66469B-8F57-48C8-A7ED-6D1E119C4DB8}" type="datetimeFigureOut">
               <a:rPr lang="ko-KR" altLang="en-US" smtClean="0"/>
-              <a:t>2023-03-15</a:t>
+              <a:t>2023-03-23</a:t>
             </a:fld>
             <a:endParaRPr lang="ko-KR" altLang="en-US"/>
           </a:p>
@@ -462,7 +462,7 @@
           <a:p>
             <a:fld id="{EB66469B-8F57-48C8-A7ED-6D1E119C4DB8}" type="datetimeFigureOut">
               <a:rPr lang="ko-KR" altLang="en-US" smtClean="0"/>
-              <a:t>2023-03-15</a:t>
+              <a:t>2023-03-23</a:t>
             </a:fld>
             <a:endParaRPr lang="ko-KR" altLang="en-US"/>
           </a:p>
@@ -670,7 +670,7 @@
           <a:p>
             <a:fld id="{EB66469B-8F57-48C8-A7ED-6D1E119C4DB8}" type="datetimeFigureOut">
               <a:rPr lang="ko-KR" altLang="en-US" smtClean="0"/>
-              <a:t>2023-03-15</a:t>
+              <a:t>2023-03-23</a:t>
             </a:fld>
             <a:endParaRPr lang="ko-KR" altLang="en-US"/>
           </a:p>
@@ -868,7 +868,7 @@
           <a:p>
             <a:fld id="{EB66469B-8F57-48C8-A7ED-6D1E119C4DB8}" type="datetimeFigureOut">
               <a:rPr lang="ko-KR" altLang="en-US" smtClean="0"/>
-              <a:t>2023-03-15</a:t>
+              <a:t>2023-03-23</a:t>
             </a:fld>
             <a:endParaRPr lang="ko-KR" altLang="en-US"/>
           </a:p>
@@ -1143,7 +1143,7 @@
           <a:p>
             <a:fld id="{EB66469B-8F57-48C8-A7ED-6D1E119C4DB8}" type="datetimeFigureOut">
               <a:rPr lang="ko-KR" altLang="en-US" smtClean="0"/>
-              <a:t>2023-03-15</a:t>
+              <a:t>2023-03-23</a:t>
             </a:fld>
             <a:endParaRPr lang="ko-KR" altLang="en-US"/>
           </a:p>
@@ -1408,7 +1408,7 @@
           <a:p>
             <a:fld id="{EB66469B-8F57-48C8-A7ED-6D1E119C4DB8}" type="datetimeFigureOut">
               <a:rPr lang="ko-KR" altLang="en-US" smtClean="0"/>
-              <a:t>2023-03-15</a:t>
+              <a:t>2023-03-23</a:t>
             </a:fld>
             <a:endParaRPr lang="ko-KR" altLang="en-US"/>
           </a:p>
@@ -1820,7 +1820,7 @@
           <a:p>
             <a:fld id="{EB66469B-8F57-48C8-A7ED-6D1E119C4DB8}" type="datetimeFigureOut">
               <a:rPr lang="ko-KR" altLang="en-US" smtClean="0"/>
-              <a:t>2023-03-15</a:t>
+              <a:t>2023-03-23</a:t>
             </a:fld>
             <a:endParaRPr lang="ko-KR" altLang="en-US"/>
           </a:p>
@@ -1961,7 +1961,7 @@
           <a:p>
             <a:fld id="{EB66469B-8F57-48C8-A7ED-6D1E119C4DB8}" type="datetimeFigureOut">
               <a:rPr lang="ko-KR" altLang="en-US" smtClean="0"/>
-              <a:t>2023-03-15</a:t>
+              <a:t>2023-03-23</a:t>
             </a:fld>
             <a:endParaRPr lang="ko-KR" altLang="en-US"/>
           </a:p>
@@ -2074,7 +2074,7 @@
           <a:p>
             <a:fld id="{EB66469B-8F57-48C8-A7ED-6D1E119C4DB8}" type="datetimeFigureOut">
               <a:rPr lang="ko-KR" altLang="en-US" smtClean="0"/>
-              <a:t>2023-03-15</a:t>
+              <a:t>2023-03-23</a:t>
             </a:fld>
             <a:endParaRPr lang="ko-KR" altLang="en-US"/>
           </a:p>
@@ -2385,7 +2385,7 @@
           <a:p>
             <a:fld id="{EB66469B-8F57-48C8-A7ED-6D1E119C4DB8}" type="datetimeFigureOut">
               <a:rPr lang="ko-KR" altLang="en-US" smtClean="0"/>
-              <a:t>2023-03-15</a:t>
+              <a:t>2023-03-23</a:t>
             </a:fld>
             <a:endParaRPr lang="ko-KR" altLang="en-US"/>
           </a:p>
@@ -2673,7 +2673,7 @@
           <a:p>
             <a:fld id="{EB66469B-8F57-48C8-A7ED-6D1E119C4DB8}" type="datetimeFigureOut">
               <a:rPr lang="ko-KR" altLang="en-US" smtClean="0"/>
-              <a:t>2023-03-15</a:t>
+              <a:t>2023-03-23</a:t>
             </a:fld>
             <a:endParaRPr lang="ko-KR" altLang="en-US"/>
           </a:p>
@@ -2914,7 +2914,7 @@
           <a:p>
             <a:fld id="{EB66469B-8F57-48C8-A7ED-6D1E119C4DB8}" type="datetimeFigureOut">
               <a:rPr lang="ko-KR" altLang="en-US" smtClean="0"/>
-              <a:t>2023-03-15</a:t>
+              <a:t>2023-03-23</a:t>
             </a:fld>
             <a:endParaRPr lang="ko-KR" altLang="en-US"/>
           </a:p>
@@ -4962,8 +4962,8 @@
         </p:nvSpPr>
         <p:spPr>
           <a:xfrm>
-            <a:off x="3424234" y="1266748"/>
-            <a:ext cx="1888177" cy="369332"/>
+            <a:off x="3039357" y="859346"/>
+            <a:ext cx="2366988" cy="923330"/>
           </a:xfrm>
           <a:prstGeom prst="rect">
             <a:avLst/>
@@ -4975,6 +4975,35 @@
             <a:spAutoFit/>
           </a:bodyPr>
           <a:lstStyle/>
+          <a:p>
+            <a:r>
+              <a:rPr lang="ko-KR" altLang="en-US" dirty="0"/>
+              <a:t>고덕동 반경 </a:t>
+            </a:r>
+            <a:r>
+              <a:rPr lang="en-US" altLang="ko-KR" dirty="0"/>
+              <a:t>500m</a:t>
+            </a:r>
+          </a:p>
+          <a:p>
+            <a:r>
+              <a:rPr lang="en-US" altLang="ko-KR" dirty="0"/>
+              <a:t>‘</a:t>
+            </a:r>
+            <a:r>
+              <a:rPr lang="ko-KR" altLang="en-US" dirty="0" err="1"/>
+              <a:t>마라탕</a:t>
+            </a:r>
+            <a:r>
+              <a:rPr lang="en-US" altLang="ko-KR" dirty="0"/>
+              <a:t>’</a:t>
+            </a:r>
+            <a:r>
+              <a:rPr lang="ko-KR" altLang="en-US" dirty="0"/>
+              <a:t> 검색결과</a:t>
+            </a:r>
+            <a:endParaRPr lang="en-US" altLang="ko-KR" dirty="0"/>
+          </a:p>
           <a:p>
             <a:r>
               <a:rPr lang="ko-KR" altLang="en-US" dirty="0"/>
@@ -5939,6 +5968,91 @@
           <a:p>
             <a:pPr algn="ctr"/>
             <a:endParaRPr lang="ko-KR" altLang="en-US"/>
+          </a:p>
+        </p:txBody>
+      </p:sp>
+      <p:sp>
+        <p:nvSpPr>
+          <p:cNvPr id="2" name="TextBox 1">
+            <a:extLst>
+              <a:ext uri="{FF2B5EF4-FFF2-40B4-BE49-F238E27FC236}">
+                <a16:creationId xmlns:a16="http://schemas.microsoft.com/office/drawing/2014/main" id="{88DBABFE-8278-FE56-BB19-F01BC7F0107F}"/>
+              </a:ext>
+            </a:extLst>
+          </p:cNvPr>
+          <p:cNvSpPr txBox="1"/>
+          <p:nvPr/>
+        </p:nvSpPr>
+        <p:spPr>
+          <a:xfrm>
+            <a:off x="7360903" y="3886200"/>
+            <a:ext cx="4614219" cy="646331"/>
+          </a:xfrm>
+          <a:prstGeom prst="rect">
+            <a:avLst/>
+          </a:prstGeom>
+          <a:noFill/>
+        </p:spPr>
+        <p:txBody>
+          <a:bodyPr wrap="square" rtlCol="0">
+            <a:spAutoFit/>
+          </a:bodyPr>
+          <a:lstStyle/>
+          <a:p>
+            <a:r>
+              <a:rPr lang="ko-KR" altLang="en-US" dirty="0"/>
+              <a:t>마음에 안 드는 음식점을 제외하는 기능은 롤러형 구현과 안 맞을지도 모르겠다</a:t>
+            </a:r>
+          </a:p>
+        </p:txBody>
+      </p:sp>
+      <p:sp>
+        <p:nvSpPr>
+          <p:cNvPr id="3" name="TextBox 2">
+            <a:extLst>
+              <a:ext uri="{FF2B5EF4-FFF2-40B4-BE49-F238E27FC236}">
+                <a16:creationId xmlns:a16="http://schemas.microsoft.com/office/drawing/2014/main" id="{4EAE5BAF-2FA1-1F51-0B3F-A697BE9653FC}"/>
+              </a:ext>
+            </a:extLst>
+          </p:cNvPr>
+          <p:cNvSpPr txBox="1"/>
+          <p:nvPr/>
+        </p:nvSpPr>
+        <p:spPr>
+          <a:xfrm>
+            <a:off x="4985238" y="5838092"/>
+            <a:ext cx="5928226" cy="646331"/>
+          </a:xfrm>
+          <a:prstGeom prst="rect">
+            <a:avLst/>
+          </a:prstGeom>
+          <a:noFill/>
+        </p:spPr>
+        <p:txBody>
+          <a:bodyPr wrap="none" rtlCol="0">
+            <a:spAutoFit/>
+          </a:bodyPr>
+          <a:lstStyle/>
+          <a:p>
+            <a:r>
+              <a:rPr lang="ko-KR" altLang="en-US" dirty="0"/>
+              <a:t>전체건수 받아와서 슬롯머신 돌리기</a:t>
+            </a:r>
+            <a:endParaRPr lang="en-US" altLang="ko-KR" dirty="0"/>
+          </a:p>
+          <a:p>
+            <a:r>
+              <a:rPr lang="ko-KR" altLang="en-US" dirty="0"/>
+              <a:t>슬라이드로 목록에서 삭제</a:t>
+            </a:r>
+            <a:r>
+              <a:rPr lang="en-US" altLang="ko-KR" dirty="0"/>
+              <a:t>-&gt;</a:t>
+            </a:r>
+            <a:r>
+              <a:rPr lang="ko-KR" altLang="en-US" dirty="0"/>
+              <a:t>안되면 그냥 버튼으로 삭제</a:t>
+            </a:r>
           </a:p>
         </p:txBody>
       </p:sp>
